--- a/presentations/Space Freight week 6.pptx
+++ b/presentations/Space Freight week 6.pptx
@@ -9,7 +9,8 @@
     <p:sldId id="259" r:id="rId3"/>
     <p:sldId id="261" r:id="rId4"/>
     <p:sldId id="262" r:id="rId5"/>
-    <p:sldId id="263" r:id="rId6"/>
+    <p:sldId id="264" r:id="rId6"/>
+    <p:sldId id="263" r:id="rId7"/>
   </p:sldIdLst>
   <p:sldSz cx="9144000" cy="6858000" type="screen4x3"/>
   <p:notesSz cx="6858000" cy="9144000"/>
@@ -108,6 +109,22 @@
       </a:defRPr>
     </a:lvl9pPr>
   </p:defaultTextStyle>
+  <p:extLst>
+    <p:ext uri="{EFAFB233-063F-42B5-8137-9DF3F51BA10A}">
+      <p15:sldGuideLst xmlns:p15="http://schemas.microsoft.com/office/powerpoint/2012/main">
+        <p15:guide id="1" orient="horz" pos="2160">
+          <p15:clr>
+            <a:srgbClr val="A4A3A4"/>
+          </p15:clr>
+        </p15:guide>
+        <p15:guide id="2" pos="2880">
+          <p15:clr>
+            <a:srgbClr val="A4A3A4"/>
+          </p15:clr>
+        </p15:guide>
+      </p15:sldGuideLst>
+    </p:ext>
+  </p:extLst>
 </p:presentation>
 </file>
 
@@ -292,7 +309,7 @@
           <a:p>
             <a:fld id="{EFE0C366-6FD9-4686-8DF8-4E40A430D8BB}" type="datetimeFigureOut">
               <a:rPr lang="nl-NL" smtClean="0"/>
-              <a:t>18-5-2018</a:t>
+              <a:t>18-05-18</a:t>
             </a:fld>
             <a:endParaRPr lang="nl-NL"/>
           </a:p>
@@ -457,7 +474,7 @@
           <a:p>
             <a:fld id="{EFE0C366-6FD9-4686-8DF8-4E40A430D8BB}" type="datetimeFigureOut">
               <a:rPr lang="nl-NL" smtClean="0"/>
-              <a:t>18-5-2018</a:t>
+              <a:t>18-05-18</a:t>
             </a:fld>
             <a:endParaRPr lang="nl-NL"/>
           </a:p>
@@ -632,7 +649,7 @@
           <a:p>
             <a:fld id="{EFE0C366-6FD9-4686-8DF8-4E40A430D8BB}" type="datetimeFigureOut">
               <a:rPr lang="nl-NL" smtClean="0"/>
-              <a:t>18-5-2018</a:t>
+              <a:t>18-05-18</a:t>
             </a:fld>
             <a:endParaRPr lang="nl-NL"/>
           </a:p>
@@ -722,7 +739,7 @@
     </p:spTree>
     <p:extLst>
       <p:ext uri="{BB962C8B-B14F-4D97-AF65-F5344CB8AC3E}">
-        <p14:creationId xmlns:p14="http://schemas.microsoft.com/office/powerpoint/2010/main" xmlns="" val="2032416694"/>
+        <p14:creationId xmlns:p14="http://schemas.microsoft.com/office/powerpoint/2010/main" val="2032416694"/>
       </p:ext>
     </p:extLst>
   </p:cSld>
@@ -898,7 +915,7 @@
     </p:spTree>
     <p:extLst>
       <p:ext uri="{BB962C8B-B14F-4D97-AF65-F5344CB8AC3E}">
-        <p14:creationId xmlns:p14="http://schemas.microsoft.com/office/powerpoint/2010/main" xmlns="" val="2326818522"/>
+        <p14:creationId xmlns:p14="http://schemas.microsoft.com/office/powerpoint/2010/main" val="2326818522"/>
       </p:ext>
     </p:extLst>
   </p:cSld>
@@ -1017,7 +1034,7 @@
           <a:p>
             <a:fld id="{EFE0C366-6FD9-4686-8DF8-4E40A430D8BB}" type="datetimeFigureOut">
               <a:rPr lang="nl-NL" smtClean="0"/>
-              <a:t>18-5-2018</a:t>
+              <a:t>18-05-18</a:t>
             </a:fld>
             <a:endParaRPr lang="nl-NL"/>
           </a:p>
@@ -1258,7 +1275,7 @@
           <a:p>
             <a:fld id="{EFE0C366-6FD9-4686-8DF8-4E40A430D8BB}" type="datetimeFigureOut">
               <a:rPr lang="nl-NL" smtClean="0"/>
-              <a:t>18-5-2018</a:t>
+              <a:t>18-05-18</a:t>
             </a:fld>
             <a:endParaRPr lang="nl-NL"/>
           </a:p>
@@ -1541,7 +1558,7 @@
           <a:p>
             <a:fld id="{EFE0C366-6FD9-4686-8DF8-4E40A430D8BB}" type="datetimeFigureOut">
               <a:rPr lang="nl-NL" smtClean="0"/>
-              <a:t>18-5-2018</a:t>
+              <a:t>18-05-18</a:t>
             </a:fld>
             <a:endParaRPr lang="nl-NL"/>
           </a:p>
@@ -1958,7 +1975,7 @@
           <a:p>
             <a:fld id="{EFE0C366-6FD9-4686-8DF8-4E40A430D8BB}" type="datetimeFigureOut">
               <a:rPr lang="nl-NL" smtClean="0"/>
-              <a:t>18-5-2018</a:t>
+              <a:t>18-05-18</a:t>
             </a:fld>
             <a:endParaRPr lang="nl-NL"/>
           </a:p>
@@ -2071,7 +2088,7 @@
           <a:p>
             <a:fld id="{EFE0C366-6FD9-4686-8DF8-4E40A430D8BB}" type="datetimeFigureOut">
               <a:rPr lang="nl-NL" smtClean="0"/>
-              <a:t>18-5-2018</a:t>
+              <a:t>18-05-18</a:t>
             </a:fld>
             <a:endParaRPr lang="nl-NL"/>
           </a:p>
@@ -2161,7 +2178,7 @@
           <a:p>
             <a:fld id="{EFE0C366-6FD9-4686-8DF8-4E40A430D8BB}" type="datetimeFigureOut">
               <a:rPr lang="nl-NL" smtClean="0"/>
-              <a:t>18-5-2018</a:t>
+              <a:t>18-05-18</a:t>
             </a:fld>
             <a:endParaRPr lang="nl-NL"/>
           </a:p>
@@ -2433,7 +2450,7 @@
           <a:p>
             <a:fld id="{EFE0C366-6FD9-4686-8DF8-4E40A430D8BB}" type="datetimeFigureOut">
               <a:rPr lang="nl-NL" smtClean="0"/>
-              <a:t>18-5-2018</a:t>
+              <a:t>18-05-18</a:t>
             </a:fld>
             <a:endParaRPr lang="nl-NL"/>
           </a:p>
@@ -2681,7 +2698,7 @@
           <a:p>
             <a:fld id="{EFE0C366-6FD9-4686-8DF8-4E40A430D8BB}" type="datetimeFigureOut">
               <a:rPr lang="nl-NL" smtClean="0"/>
-              <a:t>18-5-2018</a:t>
+              <a:t>18-05-18</a:t>
             </a:fld>
             <a:endParaRPr lang="nl-NL"/>
           </a:p>
@@ -2889,7 +2906,7 @@
           <a:p>
             <a:fld id="{EFE0C366-6FD9-4686-8DF8-4E40A430D8BB}" type="datetimeFigureOut">
               <a:rPr lang="nl-NL" smtClean="0"/>
-              <a:t>18-5-2018</a:t>
+              <a:t>18-05-18</a:t>
             </a:fld>
             <a:endParaRPr lang="nl-NL"/>
           </a:p>
@@ -3383,7 +3400,7 @@
           <p:cNvPr id="3" name="Rechthoek 2">
             <a:extLst>
               <a:ext uri="{FF2B5EF4-FFF2-40B4-BE49-F238E27FC236}">
-                <a16:creationId xmlns:a16="http://schemas.microsoft.com/office/drawing/2014/main" xmlns="" id="{A908C342-6C39-4E18-BCFC-079BDB5133AA}"/>
+                <a16:creationId xmlns="" xmlns:a16="http://schemas.microsoft.com/office/drawing/2014/main" id="{A908C342-6C39-4E18-BCFC-079BDB5133AA}"/>
               </a:ext>
             </a:extLst>
           </p:cNvPr>
@@ -3454,7 +3471,7 @@
           <p:cNvPr id="1026" name="Picture 2" descr="Afbeeldingsresultaat voor chinese flag">
             <a:extLst>
               <a:ext uri="{FF2B5EF4-FFF2-40B4-BE49-F238E27FC236}">
-                <a16:creationId xmlns:a16="http://schemas.microsoft.com/office/drawing/2014/main" xmlns="" id="{BAF7CA41-8DBA-4683-8D1A-C286BE32225E}"/>
+                <a16:creationId xmlns="" xmlns:a16="http://schemas.microsoft.com/office/drawing/2014/main" id="{BAF7CA41-8DBA-4683-8D1A-C286BE32225E}"/>
               </a:ext>
             </a:extLst>
           </p:cNvPr>
@@ -3467,7 +3484,7 @@
           <a:blip r:embed="rId2" cstate="print">
             <a:extLst>
               <a:ext uri="{28A0092B-C50C-407E-A947-70E740481C1C}">
-                <a14:useLocalDpi xmlns:a14="http://schemas.microsoft.com/office/drawing/2010/main" xmlns="" val="0"/>
+                <a14:useLocalDpi xmlns:a14="http://schemas.microsoft.com/office/drawing/2010/main" val="0"/>
               </a:ext>
             </a:extLst>
           </a:blip>
@@ -3487,7 +3504,7 @@
           <a:noFill/>
           <a:extLst>
             <a:ext uri="{909E8E84-426E-40DD-AFC4-6F175D3DCCD1}">
-              <a14:hiddenFill xmlns:a14="http://schemas.microsoft.com/office/drawing/2010/main" xmlns="">
+              <a14:hiddenFill xmlns:a14="http://schemas.microsoft.com/office/drawing/2010/main">
                 <a:solidFill>
                   <a:srgbClr val="FFFFFF"/>
                 </a:solidFill>
@@ -3499,7 +3516,7 @@
     </p:spTree>
     <p:extLst>
       <p:ext uri="{BB962C8B-B14F-4D97-AF65-F5344CB8AC3E}">
-        <p14:creationId xmlns:p14="http://schemas.microsoft.com/office/powerpoint/2010/main" xmlns="" val="1941221791"/>
+        <p14:creationId xmlns:p14="http://schemas.microsoft.com/office/powerpoint/2010/main" val="1941221791"/>
       </p:ext>
     </p:extLst>
   </p:cSld>
@@ -3740,7 +3757,7 @@
           <p:cNvPr id="3" name="Afbeelding 2" descr="Afbeelding met schermafbeelding&#10;&#10;Beschrijving is gegenereerd met zeer hoge betrouwbaarheid">
             <a:extLst>
               <a:ext uri="{FF2B5EF4-FFF2-40B4-BE49-F238E27FC236}">
-                <a16:creationId xmlns:a16="http://schemas.microsoft.com/office/drawing/2014/main" xmlns="" id="{936DB4C8-62CA-4BFE-BC0E-F33653F1A464}"/>
+                <a16:creationId xmlns="" xmlns:a16="http://schemas.microsoft.com/office/drawing/2014/main" id="{936DB4C8-62CA-4BFE-BC0E-F33653F1A464}"/>
               </a:ext>
             </a:extLst>
           </p:cNvPr>
@@ -3753,7 +3770,7 @@
           <a:blip r:embed="rId2" cstate="print">
             <a:extLst>
               <a:ext uri="{28A0092B-C50C-407E-A947-70E740481C1C}">
-                <a14:useLocalDpi xmlns:a14="http://schemas.microsoft.com/office/drawing/2010/main" xmlns="" val="0"/>
+                <a14:useLocalDpi xmlns:a14="http://schemas.microsoft.com/office/drawing/2010/main" val="0"/>
               </a:ext>
             </a:extLst>
           </a:blip>
@@ -3774,7 +3791,7 @@
     </p:spTree>
     <p:extLst>
       <p:ext uri="{BB962C8B-B14F-4D97-AF65-F5344CB8AC3E}">
-        <p14:creationId xmlns:p14="http://schemas.microsoft.com/office/powerpoint/2010/main" xmlns="" val="3659674305"/>
+        <p14:creationId xmlns:p14="http://schemas.microsoft.com/office/powerpoint/2010/main" val="3659674305"/>
       </p:ext>
     </p:extLst>
   </p:cSld>
@@ -3910,11 +3927,7 @@
             </a:pPr>
             <a:r>
               <a:rPr lang="nl-NL" sz="2000" dirty="0" smtClean="0"/>
-              <a:t>Algoritme </a:t>
-            </a:r>
-            <a:r>
-              <a:rPr lang="nl-NL" sz="2000" dirty="0" smtClean="0"/>
-              <a:t>voor gehele random indeling geprobeerd op </a:t>
+              <a:t>Algoritme voor gehele random indeling geprobeerd op </a:t>
             </a:r>
             <a:br>
               <a:rPr lang="nl-NL" sz="2000" dirty="0" smtClean="0"/>
@@ -3930,7 +3943,7 @@
     </p:spTree>
     <p:extLst>
       <p:ext uri="{BB962C8B-B14F-4D97-AF65-F5344CB8AC3E}">
-        <p14:creationId xmlns:p14="http://schemas.microsoft.com/office/powerpoint/2010/main" xmlns="" val="1278372137"/>
+        <p14:creationId xmlns:p14="http://schemas.microsoft.com/office/powerpoint/2010/main" val="1278372137"/>
       </p:ext>
     </p:extLst>
   </p:cSld>
@@ -4006,11 +4019,7 @@
             </a:pPr>
             <a:r>
               <a:rPr lang="nl-NL" sz="2000" dirty="0" smtClean="0"/>
-              <a:t>Verdeel </a:t>
-            </a:r>
-            <a:r>
-              <a:rPr lang="nl-NL" sz="2000" dirty="0" smtClean="0"/>
-              <a:t>de </a:t>
+              <a:t>Verdeel de </a:t>
             </a:r>
             <a:r>
               <a:rPr lang="nl-NL" sz="2000" dirty="0" err="1" smtClean="0"/>
@@ -4034,11 +4043,7 @@
             </a:r>
             <a:r>
               <a:rPr lang="nl-NL" sz="2000" dirty="0" smtClean="0"/>
-              <a:t> mee te nemen</a:t>
-            </a:r>
-            <a:r>
-              <a:rPr lang="nl-NL" sz="2000" dirty="0" smtClean="0"/>
-              <a:t>?</a:t>
+              <a:t> mee te nemen?</a:t>
             </a:r>
           </a:p>
           <a:p>
@@ -4086,7 +4091,7 @@
     </p:spTree>
     <p:extLst>
       <p:ext uri="{BB962C8B-B14F-4D97-AF65-F5344CB8AC3E}">
-        <p14:creationId xmlns:p14="http://schemas.microsoft.com/office/powerpoint/2010/main" xmlns="" val="1278372137"/>
+        <p14:creationId xmlns:p14="http://schemas.microsoft.com/office/powerpoint/2010/main" val="1278372137"/>
       </p:ext>
     </p:extLst>
   </p:cSld>
@@ -4097,6 +4102,92 @@
 </file>
 
 <file path=ppt/slides/slide5.xml><?xml version="1.0" encoding="utf-8"?>
+<p:sld xmlns:a="http://schemas.openxmlformats.org/drawingml/2006/main" xmlns:r="http://schemas.openxmlformats.org/officeDocument/2006/relationships" xmlns:p="http://schemas.openxmlformats.org/presentationml/2006/main">
+  <p:cSld>
+    <p:spTree>
+      <p:nvGrpSpPr>
+        <p:cNvPr id="1" name=""/>
+        <p:cNvGrpSpPr/>
+        <p:nvPr/>
+      </p:nvGrpSpPr>
+      <p:grpSpPr>
+        <a:xfrm>
+          <a:off x="0" y="0"/>
+          <a:ext cx="0" cy="0"/>
+          <a:chOff x="0" y="0"/>
+          <a:chExt cx="0" cy="0"/>
+        </a:xfrm>
+      </p:grpSpPr>
+      <p:sp>
+        <p:nvSpPr>
+          <p:cNvPr id="2" name="Titel 1"/>
+          <p:cNvSpPr>
+            <a:spLocks noGrp="1"/>
+          </p:cNvSpPr>
+          <p:nvPr>
+            <p:ph type="title"/>
+          </p:nvPr>
+        </p:nvSpPr>
+        <p:spPr/>
+        <p:txBody>
+          <a:bodyPr/>
+          <a:lstStyle/>
+          <a:p>
+            <a:r>
+              <a:rPr lang="nl-NL" dirty="0" smtClean="0"/>
+              <a:t>Hill </a:t>
+            </a:r>
+            <a:r>
+              <a:rPr lang="nl-NL" dirty="0" err="1" smtClean="0"/>
+              <a:t>Climber</a:t>
+            </a:r>
+            <a:endParaRPr lang="nl-NL" dirty="0"/>
+          </a:p>
+        </p:txBody>
+      </p:sp>
+      <p:pic>
+        <p:nvPicPr>
+          <p:cNvPr id="5" name="Tijdelijke aanduiding voor inhoud 4"/>
+          <p:cNvPicPr>
+            <a:picLocks noGrp="1" noChangeAspect="1"/>
+          </p:cNvPicPr>
+          <p:nvPr>
+            <p:ph idx="10"/>
+          </p:nvPr>
+        </p:nvPicPr>
+        <p:blipFill>
+          <a:blip r:embed="rId2" cstate="print">
+            <a:extLst>
+              <a:ext uri="{28A0092B-C50C-407E-A947-70E740481C1C}">
+                <a14:useLocalDpi xmlns:a14="http://schemas.microsoft.com/office/drawing/2010/main" val="0"/>
+              </a:ext>
+            </a:extLst>
+          </a:blip>
+          <a:stretch>
+            <a:fillRect/>
+          </a:stretch>
+        </p:blipFill>
+        <p:spPr>
+          <a:xfrm>
+            <a:off x="1622953" y="1340768"/>
+            <a:ext cx="7379744" cy="4642927"/>
+          </a:xfrm>
+        </p:spPr>
+      </p:pic>
+    </p:spTree>
+    <p:extLst>
+      <p:ext uri="{BB962C8B-B14F-4D97-AF65-F5344CB8AC3E}">
+        <p14:creationId xmlns:p14="http://schemas.microsoft.com/office/powerpoint/2010/main" val="2118506419"/>
+      </p:ext>
+    </p:extLst>
+  </p:cSld>
+  <p:clrMapOvr>
+    <a:masterClrMapping/>
+  </p:clrMapOvr>
+</p:sld>
+</file>
+
+<file path=ppt/slides/slide6.xml><?xml version="1.0" encoding="utf-8"?>
 <p:sld xmlns:a="http://schemas.openxmlformats.org/drawingml/2006/main" xmlns:r="http://schemas.openxmlformats.org/officeDocument/2006/relationships" xmlns:p="http://schemas.openxmlformats.org/presentationml/2006/main">
   <p:cSld>
     <p:spTree>
